--- a/MailApp/MailApp/Assets/PPTX.pptx
+++ b/MailApp/MailApp/Assets/PPTX.pptx
@@ -6,12 +6,13 @@
     <p:sldMasterId id="2147483660" r:id="rId2"/>
   </p:sldMasterIdLst>
   <p:notesMasterIdLst>
-    <p:notesMasterId r:id="rId6"/>
+    <p:notesMasterId r:id="rId7"/>
   </p:notesMasterIdLst>
   <p:sldIdLst>
     <p:sldId id="256" r:id="rId3"/>
-    <p:sldId id="280" r:id="rId4"/>
-    <p:sldId id="266" r:id="rId5"/>
+    <p:sldId id="266" r:id="rId4"/>
+    <p:sldId id="281" r:id="rId5"/>
+    <p:sldId id="282" r:id="rId6"/>
   </p:sldIdLst>
   <p:sldSz cx="9144000" cy="6858000" type="screen4x3"/>
   <p:notesSz cx="6858000" cy="9144000"/>
@@ -226,7 +227,7 @@
             <a:fld id="{6DDE123D-1D32-4D82-B9B8-F4FD966A9C32}" type="datetimeFigureOut">
               <a:rPr lang="ru-RU" smtClean="0"/>
               <a:pPr/>
-              <a:t>11.03.2023</a:t>
+              <a:t>04.06.2023</a:t>
             </a:fld>
             <a:endParaRPr lang="ru-RU"/>
           </a:p>
@@ -759,7 +760,7 @@
             <a:fld id="{A802A120-492C-4BEF-8BCE-E314FDE9EB4A}" type="datetimeFigureOut">
               <a:rPr lang="ru-RU" smtClean="0"/>
               <a:pPr/>
-              <a:t>11.03.2023</a:t>
+              <a:t>04.06.2023</a:t>
             </a:fld>
             <a:endParaRPr lang="ru-RU"/>
           </a:p>
@@ -924,7 +925,7 @@
             <a:fld id="{A802A120-492C-4BEF-8BCE-E314FDE9EB4A}" type="datetimeFigureOut">
               <a:rPr lang="ru-RU" smtClean="0"/>
               <a:pPr/>
-              <a:t>11.03.2023</a:t>
+              <a:t>04.06.2023</a:t>
             </a:fld>
             <a:endParaRPr lang="ru-RU"/>
           </a:p>
@@ -1099,7 +1100,7 @@
             <a:fld id="{A802A120-492C-4BEF-8BCE-E314FDE9EB4A}" type="datetimeFigureOut">
               <a:rPr lang="ru-RU" smtClean="0"/>
               <a:pPr/>
-              <a:t>11.03.2023</a:t>
+              <a:t>04.06.2023</a:t>
             </a:fld>
             <a:endParaRPr lang="ru-RU"/>
           </a:p>
@@ -1336,7 +1337,7 @@
             <a:fld id="{25D8458B-A383-4988-B0F2-64C554160B75}" type="datetimeFigureOut">
               <a:rPr lang="ru-RU" smtClean="0"/>
               <a:pPr/>
-              <a:t>11.03.2023</a:t>
+              <a:t>04.06.2023</a:t>
             </a:fld>
             <a:endParaRPr lang="ru-RU"/>
           </a:p>
@@ -1501,7 +1502,7 @@
             <a:fld id="{25D8458B-A383-4988-B0F2-64C554160B75}" type="datetimeFigureOut">
               <a:rPr lang="ru-RU" smtClean="0"/>
               <a:pPr/>
-              <a:t>11.03.2023</a:t>
+              <a:t>04.06.2023</a:t>
             </a:fld>
             <a:endParaRPr lang="ru-RU"/>
           </a:p>
@@ -1743,7 +1744,7 @@
             <a:fld id="{25D8458B-A383-4988-B0F2-64C554160B75}" type="datetimeFigureOut">
               <a:rPr lang="ru-RU" smtClean="0"/>
               <a:pPr/>
-              <a:t>11.03.2023</a:t>
+              <a:t>04.06.2023</a:t>
             </a:fld>
             <a:endParaRPr lang="ru-RU"/>
           </a:p>
@@ -2025,7 +2026,7 @@
             <a:fld id="{25D8458B-A383-4988-B0F2-64C554160B75}" type="datetimeFigureOut">
               <a:rPr lang="ru-RU" smtClean="0"/>
               <a:pPr/>
-              <a:t>11.03.2023</a:t>
+              <a:t>04.06.2023</a:t>
             </a:fld>
             <a:endParaRPr lang="ru-RU"/>
           </a:p>
@@ -2441,7 +2442,7 @@
             <a:fld id="{25D8458B-A383-4988-B0F2-64C554160B75}" type="datetimeFigureOut">
               <a:rPr lang="ru-RU" smtClean="0"/>
               <a:pPr/>
-              <a:t>11.03.2023</a:t>
+              <a:t>04.06.2023</a:t>
             </a:fld>
             <a:endParaRPr lang="ru-RU"/>
           </a:p>
@@ -2555,7 +2556,7 @@
             <a:fld id="{25D8458B-A383-4988-B0F2-64C554160B75}" type="datetimeFigureOut">
               <a:rPr lang="ru-RU" smtClean="0"/>
               <a:pPr/>
-              <a:t>11.03.2023</a:t>
+              <a:t>04.06.2023</a:t>
             </a:fld>
             <a:endParaRPr lang="ru-RU"/>
           </a:p>
@@ -2647,7 +2648,7 @@
             <a:fld id="{25D8458B-A383-4988-B0F2-64C554160B75}" type="datetimeFigureOut">
               <a:rPr lang="ru-RU" smtClean="0"/>
               <a:pPr/>
-              <a:t>11.03.2023</a:t>
+              <a:t>04.06.2023</a:t>
             </a:fld>
             <a:endParaRPr lang="ru-RU"/>
           </a:p>
@@ -2919,7 +2920,7 @@
             <a:fld id="{25D8458B-A383-4988-B0F2-64C554160B75}" type="datetimeFigureOut">
               <a:rPr lang="ru-RU" smtClean="0"/>
               <a:pPr/>
-              <a:t>11.03.2023</a:t>
+              <a:t>04.06.2023</a:t>
             </a:fld>
             <a:endParaRPr lang="ru-RU"/>
           </a:p>
@@ -3084,7 +3085,7 @@
             <a:fld id="{A802A120-492C-4BEF-8BCE-E314FDE9EB4A}" type="datetimeFigureOut">
               <a:rPr lang="ru-RU" smtClean="0"/>
               <a:pPr/>
-              <a:t>11.03.2023</a:t>
+              <a:t>04.06.2023</a:t>
             </a:fld>
             <a:endParaRPr lang="ru-RU"/>
           </a:p>
@@ -3333,7 +3334,7 @@
             <a:fld id="{25D8458B-A383-4988-B0F2-64C554160B75}" type="datetimeFigureOut">
               <a:rPr lang="ru-RU" smtClean="0"/>
               <a:pPr/>
-              <a:t>11.03.2023</a:t>
+              <a:t>04.06.2023</a:t>
             </a:fld>
             <a:endParaRPr lang="ru-RU"/>
           </a:p>
@@ -3498,7 +3499,7 @@
             <a:fld id="{25D8458B-A383-4988-B0F2-64C554160B75}" type="datetimeFigureOut">
               <a:rPr lang="ru-RU" smtClean="0"/>
               <a:pPr/>
-              <a:t>11.03.2023</a:t>
+              <a:t>04.06.2023</a:t>
             </a:fld>
             <a:endParaRPr lang="ru-RU"/>
           </a:p>
@@ -3673,7 +3674,7 @@
             <a:fld id="{25D8458B-A383-4988-B0F2-64C554160B75}" type="datetimeFigureOut">
               <a:rPr lang="ru-RU" smtClean="0"/>
               <a:pPr/>
-              <a:t>11.03.2023</a:t>
+              <a:t>04.06.2023</a:t>
             </a:fld>
             <a:endParaRPr lang="ru-RU"/>
           </a:p>
@@ -3915,7 +3916,7 @@
             <a:fld id="{A802A120-492C-4BEF-8BCE-E314FDE9EB4A}" type="datetimeFigureOut">
               <a:rPr lang="ru-RU" smtClean="0"/>
               <a:pPr/>
-              <a:t>11.03.2023</a:t>
+              <a:t>04.06.2023</a:t>
             </a:fld>
             <a:endParaRPr lang="ru-RU"/>
           </a:p>
@@ -4197,7 +4198,7 @@
             <a:fld id="{A802A120-492C-4BEF-8BCE-E314FDE9EB4A}" type="datetimeFigureOut">
               <a:rPr lang="ru-RU" smtClean="0"/>
               <a:pPr/>
-              <a:t>11.03.2023</a:t>
+              <a:t>04.06.2023</a:t>
             </a:fld>
             <a:endParaRPr lang="ru-RU"/>
           </a:p>
@@ -4613,7 +4614,7 @@
             <a:fld id="{A802A120-492C-4BEF-8BCE-E314FDE9EB4A}" type="datetimeFigureOut">
               <a:rPr lang="ru-RU" smtClean="0"/>
               <a:pPr/>
-              <a:t>11.03.2023</a:t>
+              <a:t>04.06.2023</a:t>
             </a:fld>
             <a:endParaRPr lang="ru-RU"/>
           </a:p>
@@ -4727,7 +4728,7 @@
             <a:fld id="{A802A120-492C-4BEF-8BCE-E314FDE9EB4A}" type="datetimeFigureOut">
               <a:rPr lang="ru-RU" smtClean="0"/>
               <a:pPr/>
-              <a:t>11.03.2023</a:t>
+              <a:t>04.06.2023</a:t>
             </a:fld>
             <a:endParaRPr lang="ru-RU"/>
           </a:p>
@@ -4819,7 +4820,7 @@
             <a:fld id="{A802A120-492C-4BEF-8BCE-E314FDE9EB4A}" type="datetimeFigureOut">
               <a:rPr lang="ru-RU" smtClean="0"/>
               <a:pPr/>
-              <a:t>11.03.2023</a:t>
+              <a:t>04.06.2023</a:t>
             </a:fld>
             <a:endParaRPr lang="ru-RU"/>
           </a:p>
@@ -5091,7 +5092,7 @@
             <a:fld id="{A802A120-492C-4BEF-8BCE-E314FDE9EB4A}" type="datetimeFigureOut">
               <a:rPr lang="ru-RU" smtClean="0"/>
               <a:pPr/>
-              <a:t>11.03.2023</a:t>
+              <a:t>04.06.2023</a:t>
             </a:fld>
             <a:endParaRPr lang="ru-RU"/>
           </a:p>
@@ -5340,7 +5341,7 @@
             <a:fld id="{A802A120-492C-4BEF-8BCE-E314FDE9EB4A}" type="datetimeFigureOut">
               <a:rPr lang="ru-RU" smtClean="0"/>
               <a:pPr/>
-              <a:t>11.03.2023</a:t>
+              <a:t>04.06.2023</a:t>
             </a:fld>
             <a:endParaRPr lang="ru-RU"/>
           </a:p>
@@ -5548,7 +5549,7 @@
             <a:fld id="{A802A120-492C-4BEF-8BCE-E314FDE9EB4A}" type="datetimeFigureOut">
               <a:rPr lang="ru-RU" smtClean="0"/>
               <a:pPr/>
-              <a:t>11.03.2023</a:t>
+              <a:t>04.06.2023</a:t>
             </a:fld>
             <a:endParaRPr lang="ru-RU"/>
           </a:p>
@@ -6077,7 +6078,7 @@
             <a:fld id="{25D8458B-A383-4988-B0F2-64C554160B75}" type="datetimeFigureOut">
               <a:rPr lang="ru-RU" smtClean="0"/>
               <a:pPr/>
-              <a:t>11.03.2023</a:t>
+              <a:t>04.06.2023</a:t>
             </a:fld>
             <a:endParaRPr lang="ru-RU"/>
           </a:p>
@@ -6709,6 +6710,141 @@
       </p:grpSpPr>
       <p:sp>
         <p:nvSpPr>
+          <p:cNvPr id="4" name="TextBox 3"/>
+          <p:cNvSpPr txBox="1"/>
+          <p:nvPr/>
+        </p:nvSpPr>
+        <p:spPr>
+          <a:xfrm>
+            <a:off x="1907704" y="2348880"/>
+            <a:ext cx="6120680" cy="2308324"/>
+          </a:xfrm>
+          <a:prstGeom prst="rect">
+            <a:avLst/>
+          </a:prstGeom>
+          <a:noFill/>
+          <a:effectLst>
+            <a:glow rad="228600">
+              <a:schemeClr val="accent2">
+                <a:satMod val="175000"/>
+                <a:alpha val="40000"/>
+              </a:schemeClr>
+            </a:glow>
+          </a:effectLst>
+        </p:spPr>
+        <p:txBody>
+          <a:bodyPr wrap="square" rtlCol="0">
+            <a:spAutoFit/>
+            <a:scene3d>
+              <a:camera prst="orthographicFront"/>
+              <a:lightRig rig="soft" dir="tl">
+                <a:rot lat="0" lon="0" rev="0"/>
+              </a:lightRig>
+            </a:scene3d>
+            <a:sp3d contourW="25400" prstMaterial="matte">
+              <a:bevelT w="25400" h="55880" prst="artDeco"/>
+              <a:contourClr>
+                <a:schemeClr val="accent2">
+                  <a:tint val="20000"/>
+                </a:schemeClr>
+              </a:contourClr>
+            </a:sp3d>
+          </a:bodyPr>
+          <a:lstStyle/>
+          <a:p>
+            <a:pPr algn="ctr"/>
+            <a:r>
+              <a:rPr lang="uk-UA" sz="7200" b="1" spc="50" dirty="0">
+                <a:ln w="11430"/>
+                <a:gradFill>
+                  <a:gsLst>
+                    <a:gs pos="25000">
+                      <a:schemeClr val="accent2">
+                        <a:satMod val="155000"/>
+                      </a:schemeClr>
+                    </a:gs>
+                    <a:gs pos="100000">
+                      <a:schemeClr val="accent2">
+                        <a:shade val="45000"/>
+                        <a:satMod val="165000"/>
+                      </a:schemeClr>
+                    </a:gs>
+                  </a:gsLst>
+                  <a:lin ang="5400000"/>
+                </a:gradFill>
+                <a:effectLst>
+                  <a:outerShdw blurRad="76200" dist="50800" dir="5400000" algn="tl" rotWithShape="0">
+                    <a:srgbClr val="000000">
+                      <a:alpha val="65000"/>
+                    </a:srgbClr>
+                  </a:outerShdw>
+                </a:effectLst>
+                <a:latin typeface="Century Schoolbook" pitchFamily="18" charset="0"/>
+              </a:rPr>
+              <a:t>Дякую за увагу!</a:t>
+            </a:r>
+            <a:endParaRPr lang="ru-RU" sz="7200" b="1" spc="50" dirty="0">
+              <a:ln w="11430"/>
+              <a:gradFill>
+                <a:gsLst>
+                  <a:gs pos="25000">
+                    <a:schemeClr val="accent2">
+                      <a:satMod val="155000"/>
+                    </a:schemeClr>
+                  </a:gs>
+                  <a:gs pos="100000">
+                    <a:schemeClr val="accent2">
+                      <a:shade val="45000"/>
+                      <a:satMod val="165000"/>
+                    </a:schemeClr>
+                  </a:gs>
+                </a:gsLst>
+                <a:lin ang="5400000"/>
+              </a:gradFill>
+              <a:effectLst>
+                <a:outerShdw blurRad="76200" dist="50800" dir="5400000" algn="tl" rotWithShape="0">
+                  <a:srgbClr val="000000">
+                    <a:alpha val="65000"/>
+                  </a:srgbClr>
+                </a:outerShdw>
+              </a:effectLst>
+              <a:latin typeface="Century Schoolbook" pitchFamily="18" charset="0"/>
+            </a:endParaRPr>
+          </a:p>
+        </p:txBody>
+      </p:sp>
+    </p:spTree>
+    <p:extLst>
+      <p:ext uri="{BB962C8B-B14F-4D97-AF65-F5344CB8AC3E}">
+        <p14:creationId xmlns:p14="http://schemas.microsoft.com/office/powerpoint/2010/main" val="956731215"/>
+      </p:ext>
+    </p:extLst>
+  </p:cSld>
+  <p:clrMapOvr>
+    <a:masterClrMapping/>
+  </p:clrMapOvr>
+</p:sld>
+</file>
+
+<file path=ppt/slides/slide3.xml><?xml version="1.0" encoding="utf-8"?>
+<p:sld xmlns:a="http://schemas.openxmlformats.org/drawingml/2006/main" xmlns:r="http://schemas.openxmlformats.org/officeDocument/2006/relationships" xmlns:p="http://schemas.openxmlformats.org/presentationml/2006/main">
+  <p:cSld>
+    <p:spTree>
+      <p:nvGrpSpPr>
+        <p:cNvPr id="1" name=""/>
+        <p:cNvGrpSpPr/>
+        <p:nvPr/>
+      </p:nvGrpSpPr>
+      <p:grpSpPr>
+        <a:xfrm>
+          <a:off x="0" y="0"/>
+          <a:ext cx="0" cy="0"/>
+          <a:chOff x="0" y="0"/>
+          <a:chExt cx="0" cy="0"/>
+        </a:xfrm>
+      </p:grpSpPr>
+      <p:sp>
+        <p:nvSpPr>
           <p:cNvPr id="6" name="Подзаголовок 2"/>
           <p:cNvSpPr txBox="1">
             <a:spLocks/>
@@ -6775,14 +6911,14 @@
           <p:nvPr>
             <p:extLst>
               <p:ext uri="{D42A27DB-BD31-4B8C-83A1-F6EECF244321}">
-                <p14:modId xmlns:p14="http://schemas.microsoft.com/office/powerpoint/2010/main" val="1451400165"/>
+                <p14:modId xmlns:p14="http://schemas.microsoft.com/office/powerpoint/2010/main" val="2535651150"/>
               </p:ext>
             </p:extLst>
           </p:nvPr>
         </p:nvGraphicFramePr>
         <p:xfrm>
-          <a:off x="1214414" y="980727"/>
-          <a:ext cx="7500990" cy="3585952"/>
+          <a:off x="1259632" y="1139193"/>
+          <a:ext cx="7484307" cy="3441935"/>
         </p:xfrm>
         <a:graphic>
           <a:graphicData uri="http://schemas.openxmlformats.org/drawingml/2006/table">
@@ -6791,21 +6927,21 @@
                 <a:tableStyleId>{5C22544A-7EE6-4342-B048-85BDC9FD1C3A}</a:tableStyleId>
               </a:tblPr>
               <a:tblGrid>
-                <a:gridCol w="2039751">
+                <a:gridCol w="2035215">
                   <a:extLst>
                     <a:ext uri="{9D8B030D-6E8A-4147-A177-3AD203B41FA5}">
                       <a16:colId xmlns:a16="http://schemas.microsoft.com/office/drawing/2014/main" val="20000"/>
                     </a:ext>
                   </a:extLst>
                 </a:gridCol>
-                <a:gridCol w="4605889">
+                <a:gridCol w="4595644">
                   <a:extLst>
                     <a:ext uri="{9D8B030D-6E8A-4147-A177-3AD203B41FA5}">
                       <a16:colId xmlns:a16="http://schemas.microsoft.com/office/drawing/2014/main" val="2666928447"/>
                     </a:ext>
                   </a:extLst>
                 </a:gridCol>
-                <a:gridCol w="855350">
+                <a:gridCol w="853448">
                   <a:extLst>
                     <a:ext uri="{9D8B030D-6E8A-4147-A177-3AD203B41FA5}">
                       <a16:colId xmlns:a16="http://schemas.microsoft.com/office/drawing/2014/main" val="20002"/>
@@ -6813,7 +6949,7 @@
                   </a:extLst>
                 </a:gridCol>
               </a:tblGrid>
-              <a:tr h="1404139">
+              <a:tr h="1347746">
                 <a:tc>
                   <a:txBody>
                     <a:bodyPr/>
@@ -6961,7 +7097,7 @@
                   </a:ext>
                 </a:extLst>
               </a:tr>
-              <a:tr h="2181813">
+              <a:tr h="2094189">
                 <a:tc>
                   <a:txBody>
                     <a:bodyPr/>
@@ -7057,174 +7193,10 @@
           </a:graphicData>
         </a:graphic>
       </p:graphicFrame>
-      <p:sp>
-        <p:nvSpPr>
-          <p:cNvPr id="8" name="TextBox 7"/>
-          <p:cNvSpPr txBox="1"/>
-          <p:nvPr/>
-        </p:nvSpPr>
-        <p:spPr>
-          <a:xfrm>
-            <a:off x="3036083" y="223861"/>
-            <a:ext cx="3071834" cy="523220"/>
-          </a:xfrm>
-          <a:prstGeom prst="rect">
-            <a:avLst/>
-          </a:prstGeom>
-          <a:noFill/>
-        </p:spPr>
-        <p:txBody>
-          <a:bodyPr wrap="square" rtlCol="0">
-            <a:spAutoFit/>
-          </a:bodyPr>
-          <a:lstStyle/>
-          <a:p>
-            <a:pPr algn="ctr"/>
-            <a:r>
-              <a:rPr lang="en-US" sz="2800" b="1" dirty="0">
-                <a:solidFill>
-                  <a:schemeClr val="tx2">
-                    <a:lumMod val="75000"/>
-                  </a:schemeClr>
-                </a:solidFill>
-                <a:latin typeface="Times New Roman" pitchFamily="18" charset="0"/>
-                <a:cs typeface="Times New Roman" pitchFamily="18" charset="0"/>
-              </a:rPr>
-              <a:t>##</a:t>
-            </a:r>
-            <a:r>
-              <a:rPr lang="uk-UA" sz="2800" b="1" dirty="0">
-                <a:solidFill>
-                  <a:schemeClr val="tx2">
-                    <a:lumMod val="75000"/>
-                  </a:schemeClr>
-                </a:solidFill>
-                <a:latin typeface="Times New Roman" pitchFamily="18" charset="0"/>
-                <a:cs typeface="Times New Roman" pitchFamily="18" charset="0"/>
-              </a:rPr>
-              <a:t>розділ</a:t>
-            </a:r>
-            <a:r>
-              <a:rPr lang="en-US" sz="2800" b="1" dirty="0">
-                <a:solidFill>
-                  <a:schemeClr val="tx2">
-                    <a:lumMod val="75000"/>
-                  </a:schemeClr>
-                </a:solidFill>
-                <a:latin typeface="Times New Roman" pitchFamily="18" charset="0"/>
-                <a:cs typeface="Times New Roman" pitchFamily="18" charset="0"/>
-              </a:rPr>
-              <a:t>##</a:t>
-            </a:r>
-            <a:endParaRPr lang="uk-UA" sz="2800" b="1" dirty="0">
-              <a:solidFill>
-                <a:schemeClr val="tx2">
-                  <a:lumMod val="75000"/>
-                </a:schemeClr>
-              </a:solidFill>
-              <a:latin typeface="Times New Roman" pitchFamily="18" charset="0"/>
-              <a:cs typeface="Times New Roman" pitchFamily="18" charset="0"/>
-            </a:endParaRPr>
-          </a:p>
-        </p:txBody>
-      </p:sp>
-      <p:sp>
-        <p:nvSpPr>
-          <p:cNvPr id="7" name="TextBox 6"/>
-          <p:cNvSpPr txBox="1"/>
-          <p:nvPr/>
-        </p:nvSpPr>
-        <p:spPr>
-          <a:xfrm>
-            <a:off x="1231099" y="4566679"/>
-            <a:ext cx="7500990" cy="1754326"/>
-          </a:xfrm>
-          <a:prstGeom prst="rect">
-            <a:avLst/>
-          </a:prstGeom>
-          <a:solidFill>
-            <a:schemeClr val="tx2">
-              <a:lumMod val="40000"/>
-              <a:lumOff val="60000"/>
-            </a:schemeClr>
-          </a:solidFill>
-        </p:spPr>
-        <p:txBody>
-          <a:bodyPr wrap="square" rtlCol="0">
-            <a:spAutoFit/>
-          </a:bodyPr>
-          <a:lstStyle/>
-          <a:p>
-            <a:endParaRPr lang="uk-UA" b="1" i="1" dirty="0">
-              <a:latin typeface="Times New Roman" pitchFamily="18" charset="0"/>
-              <a:cs typeface="Times New Roman" pitchFamily="18" charset="0"/>
-            </a:endParaRPr>
-          </a:p>
-          <a:p>
-            <a:r>
-              <a:rPr lang="uk-UA" b="1" i="1" dirty="0">
-                <a:latin typeface="Times New Roman" pitchFamily="18" charset="0"/>
-                <a:cs typeface="Times New Roman" pitchFamily="18" charset="0"/>
-              </a:rPr>
-              <a:t>Ухвалили: </a:t>
-            </a:r>
-            <a:r>
-              <a:rPr lang="uk-UA" dirty="0">
-                <a:latin typeface="Times New Roman" pitchFamily="18" charset="0"/>
-                <a:cs typeface="Times New Roman" pitchFamily="18" charset="0"/>
-              </a:rPr>
-              <a:t>Рекомендувати Вченій раді університету надати гриф «</a:t>
-            </a:r>
-            <a:r>
-              <a:rPr lang="en-US" sz="1800" dirty="0">
-                <a:latin typeface="Times New Roman" pitchFamily="18" charset="0"/>
-                <a:ea typeface="Times New Roman"/>
-                <a:cs typeface="Times New Roman" pitchFamily="18" charset="0"/>
-              </a:rPr>
-              <a:t>##</a:t>
-            </a:r>
-            <a:r>
-              <a:rPr lang="uk-UA" sz="1800" dirty="0">
-                <a:latin typeface="Times New Roman" pitchFamily="18" charset="0"/>
-                <a:ea typeface="Times New Roman"/>
-                <a:cs typeface="Times New Roman" pitchFamily="18" charset="0"/>
-              </a:rPr>
-              <a:t>розділ</a:t>
-            </a:r>
-            <a:r>
-              <a:rPr lang="en-US" sz="1800" dirty="0">
-                <a:latin typeface="Times New Roman" pitchFamily="18" charset="0"/>
-                <a:ea typeface="Times New Roman"/>
-                <a:cs typeface="Times New Roman" pitchFamily="18" charset="0"/>
-              </a:rPr>
-              <a:t>##</a:t>
-            </a:r>
-            <a:r>
-              <a:rPr lang="uk-UA" dirty="0">
-                <a:latin typeface="Times New Roman" pitchFamily="18" charset="0"/>
-                <a:cs typeface="Times New Roman" pitchFamily="18" charset="0"/>
-              </a:rPr>
-              <a:t>» вищезазначеному  рукопису і рекомендувати його до розповсюдження в електронному вигляді. </a:t>
-            </a:r>
-          </a:p>
-          <a:p>
-            <a:endParaRPr lang="uk-UA" dirty="0">
-              <a:latin typeface="Times New Roman" pitchFamily="18" charset="0"/>
-              <a:cs typeface="Times New Roman" pitchFamily="18" charset="0"/>
-            </a:endParaRPr>
-          </a:p>
-          <a:p>
-            <a:endParaRPr lang="uk-UA" dirty="0">
-              <a:latin typeface="Times New Roman" pitchFamily="18" charset="0"/>
-              <a:cs typeface="Times New Roman" pitchFamily="18" charset="0"/>
-            </a:endParaRPr>
-          </a:p>
-        </p:txBody>
-      </p:sp>
     </p:spTree>
     <p:extLst>
       <p:ext uri="{BB962C8B-B14F-4D97-AF65-F5344CB8AC3E}">
-        <p14:creationId xmlns:p14="http://schemas.microsoft.com/office/powerpoint/2010/main" val="1371624144"/>
+        <p14:creationId xmlns:p14="http://schemas.microsoft.com/office/powerpoint/2010/main" val="3005035542"/>
       </p:ext>
     </p:extLst>
   </p:cSld>
@@ -7234,7 +7206,7 @@
 </p:sld>
 </file>
 
-<file path=ppt/slides/slide3.xml><?xml version="1.0" encoding="utf-8"?>
+<file path=ppt/slides/slide4.xml><?xml version="1.0" encoding="utf-8"?>
 <p:sld xmlns:a="http://schemas.openxmlformats.org/drawingml/2006/main" xmlns:r="http://schemas.openxmlformats.org/officeDocument/2006/relationships" xmlns:p="http://schemas.openxmlformats.org/presentationml/2006/main">
   <p:cSld>
     <p:spTree>
@@ -7253,113 +7225,150 @@
       </p:grpSpPr>
       <p:sp>
         <p:nvSpPr>
-          <p:cNvPr id="4" name="TextBox 3"/>
+          <p:cNvPr id="2" name="TextBox 1">
+            <a:extLst>
+              <a:ext uri="{FF2B5EF4-FFF2-40B4-BE49-F238E27FC236}">
+                <a16:creationId xmlns:a16="http://schemas.microsoft.com/office/drawing/2014/main" id="{A7EA4AA2-A4C5-BDF2-BCCD-FAA5683A1322}"/>
+              </a:ext>
+            </a:extLst>
+          </p:cNvPr>
           <p:cNvSpPr txBox="1"/>
           <p:nvPr/>
         </p:nvSpPr>
         <p:spPr>
           <a:xfrm>
-            <a:off x="1907704" y="2348880"/>
-            <a:ext cx="6120680" cy="2308324"/>
+            <a:off x="1259632" y="4581128"/>
+            <a:ext cx="7500990" cy="1754326"/>
+          </a:xfrm>
+          <a:prstGeom prst="rect">
+            <a:avLst/>
+          </a:prstGeom>
+          <a:solidFill>
+            <a:schemeClr val="tx2">
+              <a:lumMod val="40000"/>
+              <a:lumOff val="60000"/>
+            </a:schemeClr>
+          </a:solidFill>
+        </p:spPr>
+        <p:txBody>
+          <a:bodyPr wrap="square" rtlCol="0">
+            <a:spAutoFit/>
+          </a:bodyPr>
+          <a:lstStyle/>
+          <a:p>
+            <a:endParaRPr lang="uk-UA" b="1" i="1" dirty="0">
+              <a:latin typeface="Times New Roman" pitchFamily="18" charset="0"/>
+              <a:cs typeface="Times New Roman" pitchFamily="18" charset="0"/>
+            </a:endParaRPr>
+          </a:p>
+          <a:p>
+            <a:r>
+              <a:rPr lang="uk-UA" b="1" i="1" dirty="0">
+                <a:latin typeface="Times New Roman" pitchFamily="18" charset="0"/>
+                <a:cs typeface="Times New Roman" pitchFamily="18" charset="0"/>
+              </a:rPr>
+              <a:t>Ухвалили: </a:t>
+            </a:r>
+            <a:r>
+              <a:rPr lang="uk-UA" dirty="0">
+                <a:latin typeface="Times New Roman" pitchFamily="18" charset="0"/>
+                <a:cs typeface="Times New Roman" pitchFamily="18" charset="0"/>
+              </a:rPr>
+              <a:t>Рекомендувати Вченій раді університету надати гриф «</a:t>
+            </a:r>
+            <a:r>
+              <a:rPr lang="en-US" sz="1800" dirty="0">
+                <a:latin typeface="Times New Roman" pitchFamily="18" charset="0"/>
+                <a:ea typeface="Times New Roman"/>
+                <a:cs typeface="Times New Roman" pitchFamily="18" charset="0"/>
+              </a:rPr>
+              <a:t>##</a:t>
+            </a:r>
+            <a:r>
+              <a:rPr lang="uk-UA" sz="1800" dirty="0">
+                <a:latin typeface="Times New Roman" pitchFamily="18" charset="0"/>
+                <a:ea typeface="Times New Roman"/>
+                <a:cs typeface="Times New Roman" pitchFamily="18" charset="0"/>
+              </a:rPr>
+              <a:t>розділ</a:t>
+            </a:r>
+            <a:r>
+              <a:rPr lang="en-US" sz="1800" dirty="0">
+                <a:latin typeface="Times New Roman" pitchFamily="18" charset="0"/>
+                <a:ea typeface="Times New Roman"/>
+                <a:cs typeface="Times New Roman" pitchFamily="18" charset="0"/>
+              </a:rPr>
+              <a:t>##</a:t>
+            </a:r>
+            <a:r>
+              <a:rPr lang="uk-UA" dirty="0">
+                <a:latin typeface="Times New Roman" pitchFamily="18" charset="0"/>
+                <a:cs typeface="Times New Roman" pitchFamily="18" charset="0"/>
+              </a:rPr>
+              <a:t>» вищезазначеному  рукопису і рекомендувати його до розповсюдження в електронному вигляді. </a:t>
+            </a:r>
+          </a:p>
+          <a:p>
+            <a:endParaRPr lang="uk-UA" dirty="0">
+              <a:latin typeface="Times New Roman" pitchFamily="18" charset="0"/>
+              <a:cs typeface="Times New Roman" pitchFamily="18" charset="0"/>
+            </a:endParaRPr>
+          </a:p>
+          <a:p>
+            <a:endParaRPr lang="uk-UA" dirty="0">
+              <a:latin typeface="Times New Roman" pitchFamily="18" charset="0"/>
+              <a:cs typeface="Times New Roman" pitchFamily="18" charset="0"/>
+            </a:endParaRPr>
+          </a:p>
+        </p:txBody>
+      </p:sp>
+      <p:sp>
+        <p:nvSpPr>
+          <p:cNvPr id="3" name="TextBox 2">
+            <a:extLst>
+              <a:ext uri="{FF2B5EF4-FFF2-40B4-BE49-F238E27FC236}">
+                <a16:creationId xmlns:a16="http://schemas.microsoft.com/office/drawing/2014/main" id="{4E65F90A-7F3F-19E1-6754-A23A392AE078}"/>
+              </a:ext>
+            </a:extLst>
+          </p:cNvPr>
+          <p:cNvSpPr txBox="1"/>
+          <p:nvPr/>
+        </p:nvSpPr>
+        <p:spPr>
+          <a:xfrm>
+            <a:off x="3995936" y="332656"/>
+            <a:ext cx="2160240" cy="369332"/>
           </a:xfrm>
           <a:prstGeom prst="rect">
             <a:avLst/>
           </a:prstGeom>
           <a:noFill/>
-          <a:effectLst>
-            <a:glow rad="228600">
-              <a:schemeClr val="accent2">
-                <a:satMod val="175000"/>
-                <a:alpha val="40000"/>
-              </a:schemeClr>
-            </a:glow>
-          </a:effectLst>
         </p:spPr>
         <p:txBody>
           <a:bodyPr wrap="square" rtlCol="0">
             <a:spAutoFit/>
-            <a:scene3d>
-              <a:camera prst="orthographicFront"/>
-              <a:lightRig rig="soft" dir="tl">
-                <a:rot lat="0" lon="0" rev="0"/>
-              </a:lightRig>
-            </a:scene3d>
-            <a:sp3d contourW="25400" prstMaterial="matte">
-              <a:bevelT w="25400" h="55880" prst="artDeco"/>
-              <a:contourClr>
-                <a:schemeClr val="accent2">
-                  <a:tint val="20000"/>
-                </a:schemeClr>
-              </a:contourClr>
-            </a:sp3d>
           </a:bodyPr>
           <a:lstStyle/>
           <a:p>
-            <a:pPr algn="ctr"/>
-            <a:r>
-              <a:rPr lang="uk-UA" sz="7200" b="1" spc="50" dirty="0">
-                <a:ln w="11430"/>
-                <a:gradFill>
-                  <a:gsLst>
-                    <a:gs pos="25000">
-                      <a:schemeClr val="accent2">
-                        <a:satMod val="155000"/>
-                      </a:schemeClr>
-                    </a:gs>
-                    <a:gs pos="100000">
-                      <a:schemeClr val="accent2">
-                        <a:shade val="45000"/>
-                        <a:satMod val="165000"/>
-                      </a:schemeClr>
-                    </a:gs>
-                  </a:gsLst>
-                  <a:lin ang="5400000"/>
-                </a:gradFill>
-                <a:effectLst>
-                  <a:outerShdw blurRad="76200" dist="50800" dir="5400000" algn="tl" rotWithShape="0">
-                    <a:srgbClr val="000000">
-                      <a:alpha val="65000"/>
-                    </a:srgbClr>
-                  </a:outerShdw>
-                </a:effectLst>
-                <a:latin typeface="Century Schoolbook" pitchFamily="18" charset="0"/>
-              </a:rPr>
-              <a:t>Дякую за увагу!</a:t>
-            </a:r>
-            <a:endParaRPr lang="ru-RU" sz="7200" b="1" spc="50" dirty="0">
-              <a:ln w="11430"/>
-              <a:gradFill>
-                <a:gsLst>
-                  <a:gs pos="25000">
-                    <a:schemeClr val="accent2">
-                      <a:satMod val="155000"/>
-                    </a:schemeClr>
-                  </a:gs>
-                  <a:gs pos="100000">
-                    <a:schemeClr val="accent2">
-                      <a:shade val="45000"/>
-                      <a:satMod val="165000"/>
-                    </a:schemeClr>
-                  </a:gs>
-                </a:gsLst>
-                <a:lin ang="5400000"/>
-              </a:gradFill>
-              <a:effectLst>
-                <a:outerShdw blurRad="76200" dist="50800" dir="5400000" algn="tl" rotWithShape="0">
-                  <a:srgbClr val="000000">
-                    <a:alpha val="65000"/>
-                  </a:srgbClr>
-                </a:outerShdw>
-              </a:effectLst>
-              <a:latin typeface="Century Schoolbook" pitchFamily="18" charset="0"/>
-            </a:endParaRPr>
+            <a:r>
+              <a:rPr lang="en-US" dirty="0"/>
+              <a:t>##</a:t>
+            </a:r>
+            <a:r>
+              <a:rPr lang="uk-UA" dirty="0"/>
+              <a:t>розділ</a:t>
+            </a:r>
+            <a:r>
+              <a:rPr lang="en-US" dirty="0"/>
+              <a:t>##</a:t>
+            </a:r>
           </a:p>
         </p:txBody>
       </p:sp>
     </p:spTree>
     <p:extLst>
       <p:ext uri="{BB962C8B-B14F-4D97-AF65-F5344CB8AC3E}">
-        <p14:creationId xmlns:p14="http://schemas.microsoft.com/office/powerpoint/2010/main" val="956731215"/>
+        <p14:creationId xmlns:p14="http://schemas.microsoft.com/office/powerpoint/2010/main" val="1382278955"/>
       </p:ext>
     </p:extLst>
   </p:cSld>

--- a/MailApp/MailApp/Assets/PPTX.pptx
+++ b/MailApp/MailApp/Assets/PPTX.pptx
@@ -227,7 +227,7 @@
             <a:fld id="{6DDE123D-1D32-4D82-B9B8-F4FD966A9C32}" type="datetimeFigureOut">
               <a:rPr lang="ru-RU" smtClean="0"/>
               <a:pPr/>
-              <a:t>04.06.2023</a:t>
+              <a:t>13.06.2023</a:t>
             </a:fld>
             <a:endParaRPr lang="ru-RU"/>
           </a:p>
@@ -386,7 +386,7 @@
             <a:fld id="{254298D6-5DAA-4DC1-9C61-22FAF790A3D2}" type="slidenum">
               <a:rPr lang="ru-RU" smtClean="0"/>
               <a:pPr/>
-              <a:t>‹#›</a:t>
+              <a:t>‹№›</a:t>
             </a:fld>
             <a:endParaRPr lang="ru-RU"/>
           </a:p>
@@ -760,7 +760,7 @@
             <a:fld id="{A802A120-492C-4BEF-8BCE-E314FDE9EB4A}" type="datetimeFigureOut">
               <a:rPr lang="ru-RU" smtClean="0"/>
               <a:pPr/>
-              <a:t>04.06.2023</a:t>
+              <a:t>13.06.2023</a:t>
             </a:fld>
             <a:endParaRPr lang="ru-RU"/>
           </a:p>
@@ -803,7 +803,7 @@
             <a:fld id="{DCFDA7AF-73F7-423A-8321-4AB909BAE78F}" type="slidenum">
               <a:rPr lang="ru-RU" smtClean="0"/>
               <a:pPr/>
-              <a:t>‹#›</a:t>
+              <a:t>‹№›</a:t>
             </a:fld>
             <a:endParaRPr lang="ru-RU"/>
           </a:p>
@@ -925,7 +925,7 @@
             <a:fld id="{A802A120-492C-4BEF-8BCE-E314FDE9EB4A}" type="datetimeFigureOut">
               <a:rPr lang="ru-RU" smtClean="0"/>
               <a:pPr/>
-              <a:t>04.06.2023</a:t>
+              <a:t>13.06.2023</a:t>
             </a:fld>
             <a:endParaRPr lang="ru-RU"/>
           </a:p>
@@ -968,7 +968,7 @@
             <a:fld id="{DCFDA7AF-73F7-423A-8321-4AB909BAE78F}" type="slidenum">
               <a:rPr lang="ru-RU" smtClean="0"/>
               <a:pPr/>
-              <a:t>‹#›</a:t>
+              <a:t>‹№›</a:t>
             </a:fld>
             <a:endParaRPr lang="ru-RU"/>
           </a:p>
@@ -1100,7 +1100,7 @@
             <a:fld id="{A802A120-492C-4BEF-8BCE-E314FDE9EB4A}" type="datetimeFigureOut">
               <a:rPr lang="ru-RU" smtClean="0"/>
               <a:pPr/>
-              <a:t>04.06.2023</a:t>
+              <a:t>13.06.2023</a:t>
             </a:fld>
             <a:endParaRPr lang="ru-RU"/>
           </a:p>
@@ -1143,7 +1143,7 @@
             <a:fld id="{DCFDA7AF-73F7-423A-8321-4AB909BAE78F}" type="slidenum">
               <a:rPr lang="ru-RU" smtClean="0"/>
               <a:pPr/>
-              <a:t>‹#›</a:t>
+              <a:t>‹№›</a:t>
             </a:fld>
             <a:endParaRPr lang="ru-RU"/>
           </a:p>
@@ -1337,7 +1337,7 @@
             <a:fld id="{25D8458B-A383-4988-B0F2-64C554160B75}" type="datetimeFigureOut">
               <a:rPr lang="ru-RU" smtClean="0"/>
               <a:pPr/>
-              <a:t>04.06.2023</a:t>
+              <a:t>13.06.2023</a:t>
             </a:fld>
             <a:endParaRPr lang="ru-RU"/>
           </a:p>
@@ -1380,7 +1380,7 @@
             <a:fld id="{9269E86F-4884-47DB-97B1-9A0B6FF8BEC1}" type="slidenum">
               <a:rPr lang="ru-RU" smtClean="0"/>
               <a:pPr/>
-              <a:t>‹#›</a:t>
+              <a:t>‹№›</a:t>
             </a:fld>
             <a:endParaRPr lang="ru-RU"/>
           </a:p>
@@ -1502,7 +1502,7 @@
             <a:fld id="{25D8458B-A383-4988-B0F2-64C554160B75}" type="datetimeFigureOut">
               <a:rPr lang="ru-RU" smtClean="0"/>
               <a:pPr/>
-              <a:t>04.06.2023</a:t>
+              <a:t>13.06.2023</a:t>
             </a:fld>
             <a:endParaRPr lang="ru-RU"/>
           </a:p>
@@ -1545,7 +1545,7 @@
             <a:fld id="{9269E86F-4884-47DB-97B1-9A0B6FF8BEC1}" type="slidenum">
               <a:rPr lang="ru-RU" smtClean="0"/>
               <a:pPr/>
-              <a:t>‹#›</a:t>
+              <a:t>‹№›</a:t>
             </a:fld>
             <a:endParaRPr lang="ru-RU"/>
           </a:p>
@@ -1744,7 +1744,7 @@
             <a:fld id="{25D8458B-A383-4988-B0F2-64C554160B75}" type="datetimeFigureOut">
               <a:rPr lang="ru-RU" smtClean="0"/>
               <a:pPr/>
-              <a:t>04.06.2023</a:t>
+              <a:t>13.06.2023</a:t>
             </a:fld>
             <a:endParaRPr lang="ru-RU"/>
           </a:p>
@@ -1787,7 +1787,7 @@
             <a:fld id="{9269E86F-4884-47DB-97B1-9A0B6FF8BEC1}" type="slidenum">
               <a:rPr lang="ru-RU" smtClean="0"/>
               <a:pPr/>
-              <a:t>‹#›</a:t>
+              <a:t>‹№›</a:t>
             </a:fld>
             <a:endParaRPr lang="ru-RU"/>
           </a:p>
@@ -2026,7 +2026,7 @@
             <a:fld id="{25D8458B-A383-4988-B0F2-64C554160B75}" type="datetimeFigureOut">
               <a:rPr lang="ru-RU" smtClean="0"/>
               <a:pPr/>
-              <a:t>04.06.2023</a:t>
+              <a:t>13.06.2023</a:t>
             </a:fld>
             <a:endParaRPr lang="ru-RU"/>
           </a:p>
@@ -2069,7 +2069,7 @@
             <a:fld id="{9269E86F-4884-47DB-97B1-9A0B6FF8BEC1}" type="slidenum">
               <a:rPr lang="ru-RU" smtClean="0"/>
               <a:pPr/>
-              <a:t>‹#›</a:t>
+              <a:t>‹№›</a:t>
             </a:fld>
             <a:endParaRPr lang="ru-RU"/>
           </a:p>
@@ -2442,7 +2442,7 @@
             <a:fld id="{25D8458B-A383-4988-B0F2-64C554160B75}" type="datetimeFigureOut">
               <a:rPr lang="ru-RU" smtClean="0"/>
               <a:pPr/>
-              <a:t>04.06.2023</a:t>
+              <a:t>13.06.2023</a:t>
             </a:fld>
             <a:endParaRPr lang="ru-RU"/>
           </a:p>
@@ -2485,7 +2485,7 @@
             <a:fld id="{9269E86F-4884-47DB-97B1-9A0B6FF8BEC1}" type="slidenum">
               <a:rPr lang="ru-RU" smtClean="0"/>
               <a:pPr/>
-              <a:t>‹#›</a:t>
+              <a:t>‹№›</a:t>
             </a:fld>
             <a:endParaRPr lang="ru-RU"/>
           </a:p>
@@ -2556,7 +2556,7 @@
             <a:fld id="{25D8458B-A383-4988-B0F2-64C554160B75}" type="datetimeFigureOut">
               <a:rPr lang="ru-RU" smtClean="0"/>
               <a:pPr/>
-              <a:t>04.06.2023</a:t>
+              <a:t>13.06.2023</a:t>
             </a:fld>
             <a:endParaRPr lang="ru-RU"/>
           </a:p>
@@ -2599,7 +2599,7 @@
             <a:fld id="{9269E86F-4884-47DB-97B1-9A0B6FF8BEC1}" type="slidenum">
               <a:rPr lang="ru-RU" smtClean="0"/>
               <a:pPr/>
-              <a:t>‹#›</a:t>
+              <a:t>‹№›</a:t>
             </a:fld>
             <a:endParaRPr lang="ru-RU"/>
           </a:p>
@@ -2648,7 +2648,7 @@
             <a:fld id="{25D8458B-A383-4988-B0F2-64C554160B75}" type="datetimeFigureOut">
               <a:rPr lang="ru-RU" smtClean="0"/>
               <a:pPr/>
-              <a:t>04.06.2023</a:t>
+              <a:t>13.06.2023</a:t>
             </a:fld>
             <a:endParaRPr lang="ru-RU"/>
           </a:p>
@@ -2691,7 +2691,7 @@
             <a:fld id="{9269E86F-4884-47DB-97B1-9A0B6FF8BEC1}" type="slidenum">
               <a:rPr lang="ru-RU" smtClean="0"/>
               <a:pPr/>
-              <a:t>‹#›</a:t>
+              <a:t>‹№›</a:t>
             </a:fld>
             <a:endParaRPr lang="ru-RU"/>
           </a:p>
@@ -2920,7 +2920,7 @@
             <a:fld id="{25D8458B-A383-4988-B0F2-64C554160B75}" type="datetimeFigureOut">
               <a:rPr lang="ru-RU" smtClean="0"/>
               <a:pPr/>
-              <a:t>04.06.2023</a:t>
+              <a:t>13.06.2023</a:t>
             </a:fld>
             <a:endParaRPr lang="ru-RU"/>
           </a:p>
@@ -2963,7 +2963,7 @@
             <a:fld id="{9269E86F-4884-47DB-97B1-9A0B6FF8BEC1}" type="slidenum">
               <a:rPr lang="ru-RU" smtClean="0"/>
               <a:pPr/>
-              <a:t>‹#›</a:t>
+              <a:t>‹№›</a:t>
             </a:fld>
             <a:endParaRPr lang="ru-RU"/>
           </a:p>
@@ -3085,7 +3085,7 @@
             <a:fld id="{A802A120-492C-4BEF-8BCE-E314FDE9EB4A}" type="datetimeFigureOut">
               <a:rPr lang="ru-RU" smtClean="0"/>
               <a:pPr/>
-              <a:t>04.06.2023</a:t>
+              <a:t>13.06.2023</a:t>
             </a:fld>
             <a:endParaRPr lang="ru-RU"/>
           </a:p>
@@ -3128,7 +3128,7 @@
             <a:fld id="{DCFDA7AF-73F7-423A-8321-4AB909BAE78F}" type="slidenum">
               <a:rPr lang="ru-RU" smtClean="0"/>
               <a:pPr/>
-              <a:t>‹#›</a:t>
+              <a:t>‹№›</a:t>
             </a:fld>
             <a:endParaRPr lang="ru-RU"/>
           </a:p>
@@ -3334,7 +3334,7 @@
             <a:fld id="{25D8458B-A383-4988-B0F2-64C554160B75}" type="datetimeFigureOut">
               <a:rPr lang="ru-RU" smtClean="0"/>
               <a:pPr/>
-              <a:t>04.06.2023</a:t>
+              <a:t>13.06.2023</a:t>
             </a:fld>
             <a:endParaRPr lang="ru-RU"/>
           </a:p>
@@ -3377,7 +3377,7 @@
             <a:fld id="{9269E86F-4884-47DB-97B1-9A0B6FF8BEC1}" type="slidenum">
               <a:rPr lang="ru-RU" smtClean="0"/>
               <a:pPr/>
-              <a:t>‹#›</a:t>
+              <a:t>‹№›</a:t>
             </a:fld>
             <a:endParaRPr lang="ru-RU"/>
           </a:p>
@@ -3499,7 +3499,7 @@
             <a:fld id="{25D8458B-A383-4988-B0F2-64C554160B75}" type="datetimeFigureOut">
               <a:rPr lang="ru-RU" smtClean="0"/>
               <a:pPr/>
-              <a:t>04.06.2023</a:t>
+              <a:t>13.06.2023</a:t>
             </a:fld>
             <a:endParaRPr lang="ru-RU"/>
           </a:p>
@@ -3542,7 +3542,7 @@
             <a:fld id="{9269E86F-4884-47DB-97B1-9A0B6FF8BEC1}" type="slidenum">
               <a:rPr lang="ru-RU" smtClean="0"/>
               <a:pPr/>
-              <a:t>‹#›</a:t>
+              <a:t>‹№›</a:t>
             </a:fld>
             <a:endParaRPr lang="ru-RU"/>
           </a:p>
@@ -3674,7 +3674,7 @@
             <a:fld id="{25D8458B-A383-4988-B0F2-64C554160B75}" type="datetimeFigureOut">
               <a:rPr lang="ru-RU" smtClean="0"/>
               <a:pPr/>
-              <a:t>04.06.2023</a:t>
+              <a:t>13.06.2023</a:t>
             </a:fld>
             <a:endParaRPr lang="ru-RU"/>
           </a:p>
@@ -3717,7 +3717,7 @@
             <a:fld id="{9269E86F-4884-47DB-97B1-9A0B6FF8BEC1}" type="slidenum">
               <a:rPr lang="ru-RU" smtClean="0"/>
               <a:pPr/>
-              <a:t>‹#›</a:t>
+              <a:t>‹№›</a:t>
             </a:fld>
             <a:endParaRPr lang="ru-RU"/>
           </a:p>
@@ -3916,7 +3916,7 @@
             <a:fld id="{A802A120-492C-4BEF-8BCE-E314FDE9EB4A}" type="datetimeFigureOut">
               <a:rPr lang="ru-RU" smtClean="0"/>
               <a:pPr/>
-              <a:t>04.06.2023</a:t>
+              <a:t>13.06.2023</a:t>
             </a:fld>
             <a:endParaRPr lang="ru-RU"/>
           </a:p>
@@ -3959,7 +3959,7 @@
             <a:fld id="{DCFDA7AF-73F7-423A-8321-4AB909BAE78F}" type="slidenum">
               <a:rPr lang="ru-RU" smtClean="0"/>
               <a:pPr/>
-              <a:t>‹#›</a:t>
+              <a:t>‹№›</a:t>
             </a:fld>
             <a:endParaRPr lang="ru-RU"/>
           </a:p>
@@ -4198,7 +4198,7 @@
             <a:fld id="{A802A120-492C-4BEF-8BCE-E314FDE9EB4A}" type="datetimeFigureOut">
               <a:rPr lang="ru-RU" smtClean="0"/>
               <a:pPr/>
-              <a:t>04.06.2023</a:t>
+              <a:t>13.06.2023</a:t>
             </a:fld>
             <a:endParaRPr lang="ru-RU"/>
           </a:p>
@@ -4241,7 +4241,7 @@
             <a:fld id="{DCFDA7AF-73F7-423A-8321-4AB909BAE78F}" type="slidenum">
               <a:rPr lang="ru-RU" smtClean="0"/>
               <a:pPr/>
-              <a:t>‹#›</a:t>
+              <a:t>‹№›</a:t>
             </a:fld>
             <a:endParaRPr lang="ru-RU"/>
           </a:p>
@@ -4614,7 +4614,7 @@
             <a:fld id="{A802A120-492C-4BEF-8BCE-E314FDE9EB4A}" type="datetimeFigureOut">
               <a:rPr lang="ru-RU" smtClean="0"/>
               <a:pPr/>
-              <a:t>04.06.2023</a:t>
+              <a:t>13.06.2023</a:t>
             </a:fld>
             <a:endParaRPr lang="ru-RU"/>
           </a:p>
@@ -4657,7 +4657,7 @@
             <a:fld id="{DCFDA7AF-73F7-423A-8321-4AB909BAE78F}" type="slidenum">
               <a:rPr lang="ru-RU" smtClean="0"/>
               <a:pPr/>
-              <a:t>‹#›</a:t>
+              <a:t>‹№›</a:t>
             </a:fld>
             <a:endParaRPr lang="ru-RU"/>
           </a:p>
@@ -4728,7 +4728,7 @@
             <a:fld id="{A802A120-492C-4BEF-8BCE-E314FDE9EB4A}" type="datetimeFigureOut">
               <a:rPr lang="ru-RU" smtClean="0"/>
               <a:pPr/>
-              <a:t>04.06.2023</a:t>
+              <a:t>13.06.2023</a:t>
             </a:fld>
             <a:endParaRPr lang="ru-RU"/>
           </a:p>
@@ -4771,7 +4771,7 @@
             <a:fld id="{DCFDA7AF-73F7-423A-8321-4AB909BAE78F}" type="slidenum">
               <a:rPr lang="ru-RU" smtClean="0"/>
               <a:pPr/>
-              <a:t>‹#›</a:t>
+              <a:t>‹№›</a:t>
             </a:fld>
             <a:endParaRPr lang="ru-RU"/>
           </a:p>
@@ -4820,7 +4820,7 @@
             <a:fld id="{A802A120-492C-4BEF-8BCE-E314FDE9EB4A}" type="datetimeFigureOut">
               <a:rPr lang="ru-RU" smtClean="0"/>
               <a:pPr/>
-              <a:t>04.06.2023</a:t>
+              <a:t>13.06.2023</a:t>
             </a:fld>
             <a:endParaRPr lang="ru-RU"/>
           </a:p>
@@ -4863,7 +4863,7 @@
             <a:fld id="{DCFDA7AF-73F7-423A-8321-4AB909BAE78F}" type="slidenum">
               <a:rPr lang="ru-RU" smtClean="0"/>
               <a:pPr/>
-              <a:t>‹#›</a:t>
+              <a:t>‹№›</a:t>
             </a:fld>
             <a:endParaRPr lang="ru-RU"/>
           </a:p>
@@ -5092,7 +5092,7 @@
             <a:fld id="{A802A120-492C-4BEF-8BCE-E314FDE9EB4A}" type="datetimeFigureOut">
               <a:rPr lang="ru-RU" smtClean="0"/>
               <a:pPr/>
-              <a:t>04.06.2023</a:t>
+              <a:t>13.06.2023</a:t>
             </a:fld>
             <a:endParaRPr lang="ru-RU"/>
           </a:p>
@@ -5135,7 +5135,7 @@
             <a:fld id="{DCFDA7AF-73F7-423A-8321-4AB909BAE78F}" type="slidenum">
               <a:rPr lang="ru-RU" smtClean="0"/>
               <a:pPr/>
-              <a:t>‹#›</a:t>
+              <a:t>‹№›</a:t>
             </a:fld>
             <a:endParaRPr lang="ru-RU"/>
           </a:p>
@@ -5341,7 +5341,7 @@
             <a:fld id="{A802A120-492C-4BEF-8BCE-E314FDE9EB4A}" type="datetimeFigureOut">
               <a:rPr lang="ru-RU" smtClean="0"/>
               <a:pPr/>
-              <a:t>04.06.2023</a:t>
+              <a:t>13.06.2023</a:t>
             </a:fld>
             <a:endParaRPr lang="ru-RU"/>
           </a:p>
@@ -5384,7 +5384,7 @@
             <a:fld id="{DCFDA7AF-73F7-423A-8321-4AB909BAE78F}" type="slidenum">
               <a:rPr lang="ru-RU" smtClean="0"/>
               <a:pPr/>
-              <a:t>‹#›</a:t>
+              <a:t>‹№›</a:t>
             </a:fld>
             <a:endParaRPr lang="ru-RU"/>
           </a:p>
@@ -5549,7 +5549,7 @@
             <a:fld id="{A802A120-492C-4BEF-8BCE-E314FDE9EB4A}" type="datetimeFigureOut">
               <a:rPr lang="ru-RU" smtClean="0"/>
               <a:pPr/>
-              <a:t>04.06.2023</a:t>
+              <a:t>13.06.2023</a:t>
             </a:fld>
             <a:endParaRPr lang="ru-RU"/>
           </a:p>
@@ -5628,7 +5628,7 @@
             <a:fld id="{DCFDA7AF-73F7-423A-8321-4AB909BAE78F}" type="slidenum">
               <a:rPr lang="ru-RU" smtClean="0"/>
               <a:pPr/>
-              <a:t>‹#›</a:t>
+              <a:t>‹№›</a:t>
             </a:fld>
             <a:endParaRPr lang="ru-RU"/>
           </a:p>
@@ -6078,7 +6078,7 @@
             <a:fld id="{25D8458B-A383-4988-B0F2-64C554160B75}" type="datetimeFigureOut">
               <a:rPr lang="ru-RU" smtClean="0"/>
               <a:pPr/>
-              <a:t>04.06.2023</a:t>
+              <a:t>13.06.2023</a:t>
             </a:fld>
             <a:endParaRPr lang="ru-RU"/>
           </a:p>
@@ -6157,7 +6157,7 @@
             <a:fld id="{9269E86F-4884-47DB-97B1-9A0B6FF8BEC1}" type="slidenum">
               <a:rPr lang="ru-RU" smtClean="0"/>
               <a:pPr/>
-              <a:t>‹#›</a:t>
+              <a:t>‹№›</a:t>
             </a:fld>
             <a:endParaRPr lang="ru-RU"/>
           </a:p>
@@ -6911,7 +6911,7 @@
           <p:nvPr>
             <p:extLst>
               <p:ext uri="{D42A27DB-BD31-4B8C-83A1-F6EECF244321}">
-                <p14:modId xmlns:p14="http://schemas.microsoft.com/office/powerpoint/2010/main" val="2535651150"/>
+                <p14:modId xmlns:p14="http://schemas.microsoft.com/office/powerpoint/2010/main" val="2516999768"/>
               </p:ext>
             </p:extLst>
           </p:nvPr>
@@ -6964,7 +6964,7 @@
                         </a:spcAft>
                       </a:pPr>
                       <a:r>
-                        <a:rPr lang="en-US" sz="1800" dirty="0">
+                        <a:rPr lang="en-US" sz="1400" dirty="0">
                           <a:latin typeface="Times New Roman" pitchFamily="18" charset="0"/>
                           <a:ea typeface="Times New Roman"/>
                           <a:cs typeface="Times New Roman" pitchFamily="18" charset="0"/>
@@ -6972,7 +6972,7 @@
                         <a:t>##</a:t>
                       </a:r>
                       <a:r>
-                        <a:rPr lang="uk-UA" sz="1800" dirty="0">
+                        <a:rPr lang="uk-UA" sz="1400" dirty="0">
                           <a:latin typeface="Times New Roman" pitchFamily="18" charset="0"/>
                           <a:ea typeface="Times New Roman"/>
                           <a:cs typeface="Times New Roman" pitchFamily="18" charset="0"/>
@@ -6980,14 +6980,14 @@
                         <a:t>автори</a:t>
                       </a:r>
                       <a:r>
-                        <a:rPr lang="en-US" sz="1800" dirty="0">
+                        <a:rPr lang="en-US" sz="1400" dirty="0">
                           <a:latin typeface="Times New Roman" pitchFamily="18" charset="0"/>
                           <a:ea typeface="Times New Roman"/>
                           <a:cs typeface="Times New Roman" pitchFamily="18" charset="0"/>
                         </a:rPr>
                         <a:t>##</a:t>
                       </a:r>
-                      <a:endParaRPr lang="uk-UA" sz="1800" dirty="0">
+                      <a:endParaRPr lang="uk-UA" sz="1400" dirty="0">
                         <a:latin typeface="Times New Roman" pitchFamily="18" charset="0"/>
                         <a:ea typeface="Times New Roman"/>
                         <a:cs typeface="Times New Roman" pitchFamily="18" charset="0"/>
@@ -7010,7 +7010,7 @@
                         </a:spcAft>
                       </a:pPr>
                       <a:r>
-                        <a:rPr lang="en-US" sz="1800" dirty="0">
+                        <a:rPr lang="en-US" sz="1400" dirty="0">
                           <a:latin typeface="Times New Roman" pitchFamily="18" charset="0"/>
                           <a:ea typeface="Times New Roman"/>
                           <a:cs typeface="Times New Roman" pitchFamily="18" charset="0"/>
@@ -7018,7 +7018,7 @@
                         <a:t>##</a:t>
                       </a:r>
                       <a:r>
-                        <a:rPr lang="uk-UA" sz="1800" dirty="0">
+                        <a:rPr lang="uk-UA" sz="1400" dirty="0">
                           <a:latin typeface="Times New Roman" pitchFamily="18" charset="0"/>
                           <a:ea typeface="Times New Roman"/>
                           <a:cs typeface="Times New Roman" pitchFamily="18" charset="0"/>
@@ -7026,14 +7026,14 @@
                         <a:t>тема</a:t>
                       </a:r>
                       <a:r>
-                        <a:rPr lang="en-US" sz="1800" dirty="0">
+                        <a:rPr lang="en-US" sz="1400" dirty="0">
                           <a:latin typeface="Times New Roman" pitchFamily="18" charset="0"/>
                           <a:ea typeface="Times New Roman"/>
                           <a:cs typeface="Times New Roman" pitchFamily="18" charset="0"/>
                         </a:rPr>
                         <a:t>##</a:t>
                       </a:r>
-                      <a:endParaRPr lang="uk-UA" sz="1800" dirty="0">
+                      <a:endParaRPr lang="uk-UA" sz="1400" dirty="0">
                         <a:latin typeface="Times New Roman" pitchFamily="18" charset="0"/>
                         <a:ea typeface="Times New Roman"/>
                         <a:cs typeface="Times New Roman" pitchFamily="18" charset="0"/>
@@ -7056,7 +7056,7 @@
                         </a:spcAft>
                       </a:pPr>
                       <a:r>
-                        <a:rPr lang="en-US" sz="1800" dirty="0">
+                        <a:rPr lang="en-US" sz="1400" dirty="0">
                           <a:latin typeface="Times New Roman" pitchFamily="18" charset="0"/>
                           <a:ea typeface="Times New Roman"/>
                           <a:cs typeface="Times New Roman" pitchFamily="18" charset="0"/>
@@ -7064,7 +7064,7 @@
                         <a:t>##</a:t>
                       </a:r>
                       <a:r>
-                        <a:rPr lang="uk-UA" sz="1800" dirty="0">
+                        <a:rPr lang="uk-UA" sz="1400" dirty="0">
                           <a:latin typeface="Times New Roman" pitchFamily="18" charset="0"/>
                           <a:ea typeface="Times New Roman"/>
                           <a:cs typeface="Times New Roman" pitchFamily="18" charset="0"/>
@@ -7072,7 +7072,7 @@
                         <a:t>сторінки</a:t>
                       </a:r>
                       <a:r>
-                        <a:rPr lang="en-US" sz="1800" dirty="0">
+                        <a:rPr lang="en-US" sz="1400" dirty="0">
                           <a:latin typeface="Times New Roman" pitchFamily="18" charset="0"/>
                           <a:ea typeface="Times New Roman"/>
                           <a:cs typeface="Times New Roman" pitchFamily="18" charset="0"/>
@@ -7080,7 +7080,7 @@
                         <a:t>##</a:t>
                       </a:r>
                       <a:r>
-                        <a:rPr lang="uk-UA" sz="1800" dirty="0">
+                        <a:rPr lang="uk-UA" sz="1400" dirty="0">
                           <a:latin typeface="Times New Roman" pitchFamily="18" charset="0"/>
                           <a:ea typeface="Times New Roman"/>
                           <a:cs typeface="Times New Roman" pitchFamily="18" charset="0"/>
@@ -7112,7 +7112,7 @@
                         </a:spcAft>
                       </a:pPr>
                       <a:r>
-                        <a:rPr lang="uk-UA" sz="1800" dirty="0">
+                        <a:rPr lang="uk-UA" sz="1400" dirty="0">
                           <a:latin typeface="Times New Roman" pitchFamily="18" charset="0"/>
                           <a:ea typeface="Times New Roman"/>
                           <a:cs typeface="Times New Roman" pitchFamily="18" charset="0"/>
@@ -7141,7 +7141,7 @@
                         </a:tabLst>
                       </a:pPr>
                       <a:r>
-                        <a:rPr lang="en-US" sz="1800" dirty="0">
+                        <a:rPr lang="en-US" sz="1400" dirty="0">
                           <a:latin typeface="Times New Roman" pitchFamily="18" charset="0"/>
                           <a:ea typeface="Times New Roman"/>
                           <a:cs typeface="Times New Roman" pitchFamily="18" charset="0"/>
@@ -7149,7 +7149,7 @@
                         <a:t>##</a:t>
                       </a:r>
                       <a:r>
-                        <a:rPr lang="uk-UA" sz="1800" dirty="0">
+                        <a:rPr lang="uk-UA" sz="1200" dirty="0">
                           <a:latin typeface="Times New Roman" pitchFamily="18" charset="0"/>
                           <a:ea typeface="Times New Roman"/>
                           <a:cs typeface="Times New Roman" pitchFamily="18" charset="0"/>
@@ -7157,14 +7157,14 @@
                         <a:t>рецензенти</a:t>
                       </a:r>
                       <a:r>
-                        <a:rPr lang="en-US" sz="1800" dirty="0">
+                        <a:rPr lang="en-US" sz="1400" dirty="0">
                           <a:latin typeface="Times New Roman" pitchFamily="18" charset="0"/>
                           <a:ea typeface="Times New Roman"/>
                           <a:cs typeface="Times New Roman" pitchFamily="18" charset="0"/>
                         </a:rPr>
                         <a:t>##</a:t>
                       </a:r>
-                      <a:endParaRPr lang="uk-UA" sz="1800" dirty="0">
+                      <a:endParaRPr lang="uk-UA" sz="1400" dirty="0">
                         <a:latin typeface="Times New Roman" pitchFamily="18" charset="0"/>
                         <a:ea typeface="SimSun"/>
                         <a:cs typeface="Times New Roman" pitchFamily="18" charset="0"/>
